--- a/images2/picsUsecases2/IMDB2.pptx
+++ b/images2/picsUsecases2/IMDB2.pptx
@@ -2991,7 +2991,7 @@
         </p:blipFill>
         <p:spPr>
           <a:xfrm>
-            <a:off x="539031" y="84844"/>
+            <a:off x="699288" y="84844"/>
             <a:ext cx="10961671" cy="6752794"/>
           </a:xfrm>
           <a:prstGeom prst="rect">

--- a/images2/picsUsecases2/IMDB2.pptx
+++ b/images2/picsUsecases2/IMDB2.pptx
@@ -243,7 +243,7 @@
           <a:p>
             <a:fld id="{04689A5A-94D1-7E45-B099-E10FE018B022}" type="datetimeFigureOut">
               <a:rPr lang="en-US" smtClean="0"/>
-              <a:t>10/15/17</a:t>
+              <a:t>10/16/17</a:t>
             </a:fld>
             <a:endParaRPr lang="en-US"/>
           </a:p>
@@ -413,7 +413,7 @@
           <a:p>
             <a:fld id="{04689A5A-94D1-7E45-B099-E10FE018B022}" type="datetimeFigureOut">
               <a:rPr lang="en-US" smtClean="0"/>
-              <a:t>10/15/17</a:t>
+              <a:t>10/16/17</a:t>
             </a:fld>
             <a:endParaRPr lang="en-US"/>
           </a:p>
@@ -593,7 +593,7 @@
           <a:p>
             <a:fld id="{04689A5A-94D1-7E45-B099-E10FE018B022}" type="datetimeFigureOut">
               <a:rPr lang="en-US" smtClean="0"/>
-              <a:t>10/15/17</a:t>
+              <a:t>10/16/17</a:t>
             </a:fld>
             <a:endParaRPr lang="en-US"/>
           </a:p>
@@ -763,7 +763,7 @@
           <a:p>
             <a:fld id="{04689A5A-94D1-7E45-B099-E10FE018B022}" type="datetimeFigureOut">
               <a:rPr lang="en-US" smtClean="0"/>
-              <a:t>10/15/17</a:t>
+              <a:t>10/16/17</a:t>
             </a:fld>
             <a:endParaRPr lang="en-US"/>
           </a:p>
@@ -1009,7 +1009,7 @@
           <a:p>
             <a:fld id="{04689A5A-94D1-7E45-B099-E10FE018B022}" type="datetimeFigureOut">
               <a:rPr lang="en-US" smtClean="0"/>
-              <a:t>10/15/17</a:t>
+              <a:t>10/16/17</a:t>
             </a:fld>
             <a:endParaRPr lang="en-US"/>
           </a:p>
@@ -1241,7 +1241,7 @@
           <a:p>
             <a:fld id="{04689A5A-94D1-7E45-B099-E10FE018B022}" type="datetimeFigureOut">
               <a:rPr lang="en-US" smtClean="0"/>
-              <a:t>10/15/17</a:t>
+              <a:t>10/16/17</a:t>
             </a:fld>
             <a:endParaRPr lang="en-US"/>
           </a:p>
@@ -1608,7 +1608,7 @@
           <a:p>
             <a:fld id="{04689A5A-94D1-7E45-B099-E10FE018B022}" type="datetimeFigureOut">
               <a:rPr lang="en-US" smtClean="0"/>
-              <a:t>10/15/17</a:t>
+              <a:t>10/16/17</a:t>
             </a:fld>
             <a:endParaRPr lang="en-US"/>
           </a:p>
@@ -1726,7 +1726,7 @@
           <a:p>
             <a:fld id="{04689A5A-94D1-7E45-B099-E10FE018B022}" type="datetimeFigureOut">
               <a:rPr lang="en-US" smtClean="0"/>
-              <a:t>10/15/17</a:t>
+              <a:t>10/16/17</a:t>
             </a:fld>
             <a:endParaRPr lang="en-US"/>
           </a:p>
@@ -1821,7 +1821,7 @@
           <a:p>
             <a:fld id="{04689A5A-94D1-7E45-B099-E10FE018B022}" type="datetimeFigureOut">
               <a:rPr lang="en-US" smtClean="0"/>
-              <a:t>10/15/17</a:t>
+              <a:t>10/16/17</a:t>
             </a:fld>
             <a:endParaRPr lang="en-US"/>
           </a:p>
@@ -2098,7 +2098,7 @@
           <a:p>
             <a:fld id="{04689A5A-94D1-7E45-B099-E10FE018B022}" type="datetimeFigureOut">
               <a:rPr lang="en-US" smtClean="0"/>
-              <a:t>10/15/17</a:t>
+              <a:t>10/16/17</a:t>
             </a:fld>
             <a:endParaRPr lang="en-US"/>
           </a:p>
@@ -2351,7 +2351,7 @@
           <a:p>
             <a:fld id="{04689A5A-94D1-7E45-B099-E10FE018B022}" type="datetimeFigureOut">
               <a:rPr lang="en-US" smtClean="0"/>
-              <a:t>10/15/17</a:t>
+              <a:t>10/16/17</a:t>
             </a:fld>
             <a:endParaRPr lang="en-US"/>
           </a:p>
@@ -2564,7 +2564,7 @@
           <a:p>
             <a:fld id="{04689A5A-94D1-7E45-B099-E10FE018B022}" type="datetimeFigureOut">
               <a:rPr lang="en-US" smtClean="0"/>
-              <a:t>10/15/17</a:t>
+              <a:t>10/16/17</a:t>
             </a:fld>
             <a:endParaRPr lang="en-US"/>
           </a:p>
@@ -2969,122 +2969,167 @@
           <a:chExt cx="0" cy="0"/>
         </a:xfrm>
       </p:grpSpPr>
-      <p:pic>
-        <p:nvPicPr>
-          <p:cNvPr id="4" name="Picture 3"/>
-          <p:cNvPicPr>
-            <a:picLocks noChangeAspect="1"/>
-          </p:cNvPicPr>
+      <p:grpSp>
+        <p:nvGrpSpPr>
+          <p:cNvPr id="5" name="Group 4"/>
+          <p:cNvGrpSpPr/>
           <p:nvPr/>
-        </p:nvPicPr>
-        <p:blipFill>
-          <a:blip r:embed="rId2">
-            <a:extLst>
-              <a:ext uri="{28A0092B-C50C-407E-A947-70E740481C1C}">
-                <a14:useLocalDpi xmlns:a14="http://schemas.microsoft.com/office/drawing/2010/main" val="0"/>
-              </a:ext>
-            </a:extLst>
-          </a:blip>
-          <a:stretch>
-            <a:fillRect/>
-          </a:stretch>
-        </p:blipFill>
-        <p:spPr>
+        </p:nvGrpSpPr>
+        <p:grpSpPr>
           <a:xfrm>
-            <a:off x="699288" y="84844"/>
-            <a:ext cx="10961671" cy="6752794"/>
+            <a:off x="708715" y="56560"/>
+            <a:ext cx="11007583" cy="6781077"/>
+            <a:chOff x="708715" y="65987"/>
+            <a:chExt cx="11007583" cy="6781077"/>
           </a:xfrm>
-          <a:prstGeom prst="rect">
-            <a:avLst/>
-          </a:prstGeom>
-        </p:spPr>
-      </p:pic>
-      <p:cxnSp>
-        <p:nvCxnSpPr>
-          <p:cNvPr id="6" name="Straight Arrow Connector 5"/>
-          <p:cNvCxnSpPr/>
-          <p:nvPr/>
-        </p:nvCxnSpPr>
-        <p:spPr>
-          <a:xfrm flipV="1">
-            <a:off x="1602555" y="2790335"/>
-            <a:ext cx="1866507" cy="509046"/>
-          </a:xfrm>
-          <a:prstGeom prst="straightConnector1">
-            <a:avLst/>
-          </a:prstGeom>
-          <a:ln w="76200">
-            <a:solidFill>
-              <a:schemeClr val="accent2"/>
-            </a:solidFill>
-            <a:tailEnd type="triangle"/>
-          </a:ln>
-          <a:scene3d>
-            <a:camera prst="orthographicFront"/>
-            <a:lightRig rig="threePt" dir="t"/>
-          </a:scene3d>
-          <a:sp3d>
-            <a:bevelT/>
-          </a:sp3d>
-        </p:spPr>
-        <p:style>
-          <a:lnRef idx="1">
-            <a:schemeClr val="accent1"/>
-          </a:lnRef>
-          <a:fillRef idx="0">
-            <a:schemeClr val="accent1"/>
-          </a:fillRef>
-          <a:effectRef idx="0">
-            <a:schemeClr val="accent1"/>
-          </a:effectRef>
-          <a:fontRef idx="minor">
-            <a:schemeClr val="tx1"/>
-          </a:fontRef>
-        </p:style>
-      </p:cxnSp>
-      <p:cxnSp>
-        <p:nvCxnSpPr>
-          <p:cNvPr id="11" name="Straight Arrow Connector 10"/>
-          <p:cNvCxnSpPr/>
-          <p:nvPr/>
-        </p:nvCxnSpPr>
-        <p:spPr>
-          <a:xfrm>
-            <a:off x="5260155" y="4411744"/>
-            <a:ext cx="1272619" cy="0"/>
-          </a:xfrm>
-          <a:prstGeom prst="straightConnector1">
-            <a:avLst/>
-          </a:prstGeom>
-          <a:ln w="76200">
-            <a:solidFill>
-              <a:schemeClr val="accent2"/>
-            </a:solidFill>
-            <a:tailEnd type="triangle"/>
-          </a:ln>
-          <a:scene3d>
-            <a:camera prst="orthographicFront"/>
-            <a:lightRig rig="threePt" dir="t"/>
-          </a:scene3d>
-          <a:sp3d>
-            <a:bevelT/>
-          </a:sp3d>
-        </p:spPr>
-        <p:style>
-          <a:lnRef idx="1">
-            <a:schemeClr val="accent1"/>
-          </a:lnRef>
-          <a:fillRef idx="0">
-            <a:schemeClr val="accent1"/>
-          </a:fillRef>
-          <a:effectRef idx="0">
-            <a:schemeClr val="accent1"/>
-          </a:effectRef>
-          <a:fontRef idx="minor">
-            <a:schemeClr val="tx1"/>
-          </a:fontRef>
-        </p:style>
-      </p:cxnSp>
+        </p:grpSpPr>
+        <p:pic>
+          <p:nvPicPr>
+            <p:cNvPr id="4" name="Picture 3"/>
+            <p:cNvPicPr>
+              <a:picLocks noChangeAspect="1"/>
+            </p:cNvPicPr>
+            <p:nvPr/>
+          </p:nvPicPr>
+          <p:blipFill>
+            <a:blip r:embed="rId2">
+              <a:extLst>
+                <a:ext uri="{28A0092B-C50C-407E-A947-70E740481C1C}">
+                  <a14:useLocalDpi xmlns:a14="http://schemas.microsoft.com/office/drawing/2010/main" val="0"/>
+                </a:ext>
+              </a:extLst>
+            </a:blip>
+            <a:stretch>
+              <a:fillRect/>
+            </a:stretch>
+          </p:blipFill>
+          <p:spPr>
+            <a:xfrm>
+              <a:off x="708715" y="65987"/>
+              <a:ext cx="11007583" cy="6781077"/>
+            </a:xfrm>
+            <a:prstGeom prst="rect">
+              <a:avLst/>
+            </a:prstGeom>
+          </p:spPr>
+        </p:pic>
+        <p:cxnSp>
+          <p:nvCxnSpPr>
+            <p:cNvPr id="6" name="Straight Arrow Connector 5"/>
+            <p:cNvCxnSpPr/>
+            <p:nvPr/>
+          </p:nvCxnSpPr>
+          <p:spPr>
+            <a:xfrm flipV="1">
+              <a:off x="1725105" y="2799761"/>
+              <a:ext cx="1904215" cy="499620"/>
+            </a:xfrm>
+            <a:prstGeom prst="straightConnector1">
+              <a:avLst/>
+            </a:prstGeom>
+            <a:ln w="76200">
+              <a:solidFill>
+                <a:schemeClr val="accent2"/>
+              </a:solidFill>
+              <a:tailEnd type="triangle"/>
+            </a:ln>
+            <a:scene3d>
+              <a:camera prst="orthographicFront"/>
+              <a:lightRig rig="threePt" dir="t"/>
+            </a:scene3d>
+            <a:sp3d>
+              <a:bevelT/>
+            </a:sp3d>
+          </p:spPr>
+          <p:style>
+            <a:lnRef idx="1">
+              <a:schemeClr val="accent1"/>
+            </a:lnRef>
+            <a:fillRef idx="0">
+              <a:schemeClr val="accent1"/>
+            </a:fillRef>
+            <a:effectRef idx="0">
+              <a:schemeClr val="accent1"/>
+            </a:effectRef>
+            <a:fontRef idx="minor">
+              <a:schemeClr val="tx1"/>
+            </a:fontRef>
+          </p:style>
+        </p:cxnSp>
+        <p:cxnSp>
+          <p:nvCxnSpPr>
+            <p:cNvPr id="11" name="Straight Arrow Connector 10"/>
+            <p:cNvCxnSpPr/>
+            <p:nvPr/>
+          </p:nvCxnSpPr>
+          <p:spPr>
+            <a:xfrm>
+              <a:off x="5410987" y="4411744"/>
+              <a:ext cx="1272619" cy="0"/>
+            </a:xfrm>
+            <a:prstGeom prst="straightConnector1">
+              <a:avLst/>
+            </a:prstGeom>
+            <a:ln w="76200">
+              <a:solidFill>
+                <a:schemeClr val="accent2"/>
+              </a:solidFill>
+              <a:tailEnd type="triangle"/>
+            </a:ln>
+            <a:scene3d>
+              <a:camera prst="orthographicFront"/>
+              <a:lightRig rig="threePt" dir="t"/>
+            </a:scene3d>
+            <a:sp3d>
+              <a:bevelT/>
+            </a:sp3d>
+          </p:spPr>
+          <p:style>
+            <a:lnRef idx="1">
+              <a:schemeClr val="accent1"/>
+            </a:lnRef>
+            <a:fillRef idx="0">
+              <a:schemeClr val="accent1"/>
+            </a:fillRef>
+            <a:effectRef idx="0">
+              <a:schemeClr val="accent1"/>
+            </a:effectRef>
+            <a:fontRef idx="minor">
+              <a:schemeClr val="tx1"/>
+            </a:fontRef>
+          </p:style>
+        </p:cxnSp>
+        <p:pic>
+          <p:nvPicPr>
+            <p:cNvPr id="3" name="Picture 2"/>
+            <p:cNvPicPr>
+              <a:picLocks noChangeAspect="1"/>
+            </p:cNvPicPr>
+            <p:nvPr/>
+          </p:nvPicPr>
+          <p:blipFill>
+            <a:blip r:embed="rId3">
+              <a:extLst>
+                <a:ext uri="{28A0092B-C50C-407E-A947-70E740481C1C}">
+                  <a14:useLocalDpi xmlns:a14="http://schemas.microsoft.com/office/drawing/2010/main" val="0"/>
+                </a:ext>
+              </a:extLst>
+            </a:blip>
+            <a:stretch>
+              <a:fillRect/>
+            </a:stretch>
+          </p:blipFill>
+          <p:spPr>
+            <a:xfrm>
+              <a:off x="708715" y="1527141"/>
+              <a:ext cx="1561024" cy="978947"/>
+            </a:xfrm>
+            <a:prstGeom prst="rect">
+              <a:avLst/>
+            </a:prstGeom>
+          </p:spPr>
+        </p:pic>
+      </p:grpSp>
     </p:spTree>
     <p:extLst>
       <p:ext uri="{BB962C8B-B14F-4D97-AF65-F5344CB8AC3E}">
